--- a/Figures/Figure 1/1_Prisma_SystMap.pptx
+++ b/Figures/Figure 1/1_Prisma_SystMap.pptx
@@ -302,7 +302,7 @@
           <a:p>
             <a:fld id="{CB28E8E0-9398-E247-8313-7E50B53204AA}" type="datetimeFigureOut">
               <a:rPr lang="en-US" smtClean="0"/>
-              <a:t>11/3/2022</a:t>
+              <a:t>11/8/2022</a:t>
             </a:fld>
             <a:endParaRPr lang="en-US"/>
           </a:p>
@@ -470,7 +470,7 @@
           <a:p>
             <a:fld id="{CB28E8E0-9398-E247-8313-7E50B53204AA}" type="datetimeFigureOut">
               <a:rPr lang="en-US" smtClean="0"/>
-              <a:t>11/3/2022</a:t>
+              <a:t>11/8/2022</a:t>
             </a:fld>
             <a:endParaRPr lang="en-US"/>
           </a:p>
@@ -648,7 +648,7 @@
           <a:p>
             <a:fld id="{CB28E8E0-9398-E247-8313-7E50B53204AA}" type="datetimeFigureOut">
               <a:rPr lang="en-US" smtClean="0"/>
-              <a:t>11/3/2022</a:t>
+              <a:t>11/8/2022</a:t>
             </a:fld>
             <a:endParaRPr lang="en-US"/>
           </a:p>
@@ -816,7 +816,7 @@
           <a:p>
             <a:fld id="{CB28E8E0-9398-E247-8313-7E50B53204AA}" type="datetimeFigureOut">
               <a:rPr lang="en-US" smtClean="0"/>
-              <a:t>11/3/2022</a:t>
+              <a:t>11/8/2022</a:t>
             </a:fld>
             <a:endParaRPr lang="en-US"/>
           </a:p>
@@ -1061,7 +1061,7 @@
           <a:p>
             <a:fld id="{CB28E8E0-9398-E247-8313-7E50B53204AA}" type="datetimeFigureOut">
               <a:rPr lang="en-US" smtClean="0"/>
-              <a:t>11/3/2022</a:t>
+              <a:t>11/8/2022</a:t>
             </a:fld>
             <a:endParaRPr lang="en-US"/>
           </a:p>
@@ -1346,7 +1346,7 @@
           <a:p>
             <a:fld id="{CB28E8E0-9398-E247-8313-7E50B53204AA}" type="datetimeFigureOut">
               <a:rPr lang="en-US" smtClean="0"/>
-              <a:t>11/3/2022</a:t>
+              <a:t>11/8/2022</a:t>
             </a:fld>
             <a:endParaRPr lang="en-US"/>
           </a:p>
@@ -1765,7 +1765,7 @@
           <a:p>
             <a:fld id="{CB28E8E0-9398-E247-8313-7E50B53204AA}" type="datetimeFigureOut">
               <a:rPr lang="en-US" smtClean="0"/>
-              <a:t>11/3/2022</a:t>
+              <a:t>11/8/2022</a:t>
             </a:fld>
             <a:endParaRPr lang="en-US"/>
           </a:p>
@@ -1882,7 +1882,7 @@
           <a:p>
             <a:fld id="{CB28E8E0-9398-E247-8313-7E50B53204AA}" type="datetimeFigureOut">
               <a:rPr lang="en-US" smtClean="0"/>
-              <a:t>11/3/2022</a:t>
+              <a:t>11/8/2022</a:t>
             </a:fld>
             <a:endParaRPr lang="en-US"/>
           </a:p>
@@ -1977,7 +1977,7 @@
           <a:p>
             <a:fld id="{CB28E8E0-9398-E247-8313-7E50B53204AA}" type="datetimeFigureOut">
               <a:rPr lang="en-US" smtClean="0"/>
-              <a:t>11/3/2022</a:t>
+              <a:t>11/8/2022</a:t>
             </a:fld>
             <a:endParaRPr lang="en-US"/>
           </a:p>
@@ -2252,7 +2252,7 @@
           <a:p>
             <a:fld id="{CB28E8E0-9398-E247-8313-7E50B53204AA}" type="datetimeFigureOut">
               <a:rPr lang="en-US" smtClean="0"/>
-              <a:t>11/3/2022</a:t>
+              <a:t>11/8/2022</a:t>
             </a:fld>
             <a:endParaRPr lang="en-US"/>
           </a:p>
@@ -2504,7 +2504,7 @@
           <a:p>
             <a:fld id="{CB28E8E0-9398-E247-8313-7E50B53204AA}" type="datetimeFigureOut">
               <a:rPr lang="en-US" smtClean="0"/>
-              <a:t>11/3/2022</a:t>
+              <a:t>11/8/2022</a:t>
             </a:fld>
             <a:endParaRPr lang="en-US"/>
           </a:p>
@@ -2715,7 +2715,7 @@
           <a:p>
             <a:fld id="{CB28E8E0-9398-E247-8313-7E50B53204AA}" type="datetimeFigureOut">
               <a:rPr lang="en-US" smtClean="0"/>
-              <a:t>11/3/2022</a:t>
+              <a:t>11/8/2022</a:t>
             </a:fld>
             <a:endParaRPr lang="en-US"/>
           </a:p>
@@ -3098,7 +3098,7 @@
         </p:nvSpPr>
         <p:spPr>
           <a:xfrm>
-            <a:off x="1293318" y="47880"/>
+            <a:off x="1870836" y="1708252"/>
             <a:ext cx="2880000" cy="923330"/>
           </a:xfrm>
           <a:prstGeom prst="rect">
@@ -3148,7 +3148,7 @@
         </p:nvSpPr>
         <p:spPr>
           <a:xfrm>
-            <a:off x="4575408" y="37356"/>
+            <a:off x="5152926" y="1697728"/>
             <a:ext cx="2880000" cy="923330"/>
           </a:xfrm>
           <a:prstGeom prst="rect">
@@ -3189,7 +3189,7 @@
         </p:nvSpPr>
         <p:spPr>
           <a:xfrm>
-            <a:off x="2610182" y="1277278"/>
+            <a:off x="3187700" y="2829365"/>
             <a:ext cx="3600000" cy="646331"/>
           </a:xfrm>
           <a:prstGeom prst="rect">
@@ -3230,7 +3230,7 @@
         </p:nvSpPr>
         <p:spPr>
           <a:xfrm>
-            <a:off x="2976757" y="2229673"/>
+            <a:off x="3566307" y="3661445"/>
             <a:ext cx="2866853" cy="923330"/>
           </a:xfrm>
           <a:prstGeom prst="rect">
@@ -3278,8 +3278,8 @@
         </p:nvSpPr>
         <p:spPr>
           <a:xfrm>
-            <a:off x="6554196" y="2394489"/>
-            <a:ext cx="2520000" cy="646331"/>
+            <a:off x="7143746" y="3802197"/>
+            <a:ext cx="1867909" cy="646331"/>
           </a:xfrm>
           <a:prstGeom prst="rect">
             <a:avLst/>
@@ -3320,7 +3320,7 @@
         </p:nvSpPr>
         <p:spPr>
           <a:xfrm>
-            <a:off x="2970182" y="3459069"/>
+            <a:off x="3559732" y="4782553"/>
             <a:ext cx="2880000" cy="923330"/>
           </a:xfrm>
           <a:prstGeom prst="rect">
@@ -3368,8 +3368,8 @@
         </p:nvSpPr>
         <p:spPr>
           <a:xfrm>
-            <a:off x="6554195" y="3459069"/>
-            <a:ext cx="2520000" cy="923330"/>
+            <a:off x="7143745" y="4676979"/>
+            <a:ext cx="1867909" cy="1200329"/>
           </a:xfrm>
           <a:prstGeom prst="rect">
             <a:avLst/>
@@ -3417,7 +3417,7 @@
         </p:nvSpPr>
         <p:spPr>
           <a:xfrm>
-            <a:off x="2970182" y="5456194"/>
+            <a:off x="3559732" y="5877308"/>
             <a:ext cx="2880000" cy="923330"/>
           </a:xfrm>
           <a:prstGeom prst="rect">
@@ -3469,14 +3469,14 @@
       </p:sp>
       <p:sp>
         <p:nvSpPr>
-          <p:cNvPr id="18" name="Down Arrow 17"/>
+          <p:cNvPr id="24" name="Down Arrow 23"/>
           <p:cNvSpPr/>
           <p:nvPr/>
         </p:nvSpPr>
         <p:spPr>
-          <a:xfrm>
-            <a:off x="2646920" y="1005731"/>
-            <a:ext cx="168698" cy="254719"/>
+          <a:xfrm rot="16200000">
+            <a:off x="6715383" y="3822353"/>
+            <a:ext cx="168698" cy="585283"/>
           </a:xfrm>
           <a:prstGeom prst="downArrow">
             <a:avLst/>
@@ -3507,14 +3507,14 @@
       </p:sp>
       <p:sp>
         <p:nvSpPr>
-          <p:cNvPr id="19" name="Down Arrow 18"/>
+          <p:cNvPr id="25" name="Down Arrow 24"/>
           <p:cNvSpPr/>
           <p:nvPr/>
         </p:nvSpPr>
         <p:spPr>
-          <a:xfrm>
-            <a:off x="5929121" y="996392"/>
-            <a:ext cx="168698" cy="254719"/>
+          <a:xfrm rot="16200000">
+            <a:off x="6715383" y="4961851"/>
+            <a:ext cx="168698" cy="585283"/>
           </a:xfrm>
           <a:prstGeom prst="downArrow">
             <a:avLst/>
@@ -3545,19 +3545,18 @@
       </p:sp>
       <p:sp>
         <p:nvSpPr>
-          <p:cNvPr id="20" name="Down Arrow 19"/>
-          <p:cNvSpPr/>
+          <p:cNvPr id="2" name="TextBox 1"/>
+          <p:cNvSpPr txBox="1"/>
           <p:nvPr/>
         </p:nvSpPr>
         <p:spPr>
-          <a:xfrm>
-            <a:off x="4321370" y="1951949"/>
-            <a:ext cx="168698" cy="254719"/>
-          </a:xfrm>
-          <a:prstGeom prst="downArrow">
+          <a:xfrm rot="16200000">
+            <a:off x="-483648" y="5853486"/>
+            <a:ext cx="1630278" cy="307777"/>
+          </a:xfrm>
+          <a:prstGeom prst="rect">
             <a:avLst/>
           </a:prstGeom>
-          <a:ln/>
         </p:spPr>
         <p:style>
           <a:lnRef idx="1">
@@ -3574,28 +3573,36 @@
           </a:fontRef>
         </p:style>
         <p:txBody>
-          <a:bodyPr/>
-          <a:lstStyle/>
-          <a:p>
-            <a:endParaRPr lang="en-US"/>
-          </a:p>
-        </p:txBody>
-      </p:sp>
-      <p:sp>
-        <p:nvSpPr>
-          <p:cNvPr id="21" name="Down Arrow 20"/>
-          <p:cNvSpPr/>
+          <a:bodyPr wrap="square" rtlCol="0">
+            <a:spAutoFit/>
+          </a:bodyPr>
+          <a:lstStyle/>
+          <a:p>
+            <a:pPr algn="ctr"/>
+            <a:r>
+              <a:rPr lang="en-US" sz="1400" dirty="0">
+                <a:latin typeface="Courier New"/>
+                <a:cs typeface="Courier New"/>
+              </a:rPr>
+              <a:t>Included</a:t>
+            </a:r>
+          </a:p>
+        </p:txBody>
+      </p:sp>
+      <p:sp>
+        <p:nvSpPr>
+          <p:cNvPr id="26" name="TextBox 25"/>
+          <p:cNvSpPr txBox="1"/>
           <p:nvPr/>
         </p:nvSpPr>
         <p:spPr>
-          <a:xfrm>
-            <a:off x="4321370" y="3179244"/>
-            <a:ext cx="168698" cy="254719"/>
-          </a:xfrm>
-          <a:prstGeom prst="downArrow">
+          <a:xfrm rot="16200000">
+            <a:off x="-569259" y="4080724"/>
+            <a:ext cx="1801502" cy="307777"/>
+          </a:xfrm>
+          <a:prstGeom prst="rect">
             <a:avLst/>
           </a:prstGeom>
-          <a:ln/>
         </p:spPr>
         <p:style>
           <a:lnRef idx="1">
@@ -3612,28 +3619,36 @@
           </a:fontRef>
         </p:style>
         <p:txBody>
-          <a:bodyPr/>
-          <a:lstStyle/>
-          <a:p>
-            <a:endParaRPr lang="en-US"/>
-          </a:p>
-        </p:txBody>
-      </p:sp>
-      <p:sp>
-        <p:nvSpPr>
-          <p:cNvPr id="24" name="Down Arrow 23"/>
-          <p:cNvSpPr/>
+          <a:bodyPr wrap="square" rtlCol="0">
+            <a:spAutoFit/>
+          </a:bodyPr>
+          <a:lstStyle/>
+          <a:p>
+            <a:pPr algn="ctr"/>
+            <a:r>
+              <a:rPr lang="en-US" sz="1400" dirty="0">
+                <a:latin typeface="Courier New"/>
+                <a:cs typeface="Courier New"/>
+              </a:rPr>
+              <a:t>Eligibility</a:t>
+            </a:r>
+          </a:p>
+        </p:txBody>
+      </p:sp>
+      <p:sp>
+        <p:nvSpPr>
+          <p:cNvPr id="27" name="TextBox 26"/>
+          <p:cNvSpPr txBox="1"/>
           <p:nvPr/>
         </p:nvSpPr>
         <p:spPr>
           <a:xfrm rot="16200000">
-            <a:off x="6125833" y="2414645"/>
-            <a:ext cx="168698" cy="585283"/>
-          </a:xfrm>
-          <a:prstGeom prst="downArrow">
+            <a:off x="-387576" y="2404875"/>
+            <a:ext cx="1438138" cy="307777"/>
+          </a:xfrm>
+          <a:prstGeom prst="rect">
             <a:avLst/>
           </a:prstGeom>
-          <a:ln/>
         </p:spPr>
         <p:style>
           <a:lnRef idx="1">
@@ -3650,28 +3665,36 @@
           </a:fontRef>
         </p:style>
         <p:txBody>
-          <a:bodyPr/>
-          <a:lstStyle/>
-          <a:p>
-            <a:endParaRPr lang="en-US"/>
-          </a:p>
-        </p:txBody>
-      </p:sp>
-      <p:sp>
-        <p:nvSpPr>
-          <p:cNvPr id="25" name="Down Arrow 24"/>
-          <p:cNvSpPr/>
+          <a:bodyPr wrap="square" rtlCol="0">
+            <a:spAutoFit/>
+          </a:bodyPr>
+          <a:lstStyle/>
+          <a:p>
+            <a:pPr algn="ctr"/>
+            <a:r>
+              <a:rPr lang="en-US" sz="1400" dirty="0">
+                <a:latin typeface="Courier New"/>
+                <a:cs typeface="Courier New"/>
+              </a:rPr>
+              <a:t>Screening</a:t>
+            </a:r>
+          </a:p>
+        </p:txBody>
+      </p:sp>
+      <p:sp>
+        <p:nvSpPr>
+          <p:cNvPr id="28" name="TextBox 27"/>
+          <p:cNvSpPr txBox="1"/>
           <p:nvPr/>
         </p:nvSpPr>
         <p:spPr>
           <a:xfrm rot="16200000">
-            <a:off x="6125833" y="3638367"/>
-            <a:ext cx="168698" cy="585283"/>
-          </a:xfrm>
-          <a:prstGeom prst="downArrow">
+            <a:off x="-531729" y="757212"/>
+            <a:ext cx="1726448" cy="307777"/>
+          </a:xfrm>
+          <a:prstGeom prst="rect">
             <a:avLst/>
           </a:prstGeom>
-          <a:ln/>
         </p:spPr>
         <p:style>
           <a:lnRef idx="1">
@@ -3688,27 +3711,43 @@
           </a:fontRef>
         </p:style>
         <p:txBody>
-          <a:bodyPr/>
-          <a:lstStyle/>
-          <a:p>
-            <a:endParaRPr lang="en-US"/>
-          </a:p>
-        </p:txBody>
-      </p:sp>
-      <p:sp>
-        <p:nvSpPr>
-          <p:cNvPr id="2" name="TextBox 1"/>
-          <p:cNvSpPr txBox="1"/>
+          <a:bodyPr wrap="square" rtlCol="0">
+            <a:spAutoFit/>
+          </a:bodyPr>
+          <a:lstStyle/>
+          <a:p>
+            <a:pPr algn="ctr"/>
+            <a:r>
+              <a:rPr lang="en-US" sz="1400" dirty="0">
+                <a:latin typeface="Courier New"/>
+                <a:cs typeface="Courier New"/>
+              </a:rPr>
+              <a:t>Identification</a:t>
+            </a:r>
+          </a:p>
+        </p:txBody>
+      </p:sp>
+      <p:sp>
+        <p:nvSpPr>
+          <p:cNvPr id="3" name="Down Arrow 20">
+            <a:extLst>
+              <a:ext uri="{FF2B5EF4-FFF2-40B4-BE49-F238E27FC236}">
+                <a16:creationId xmlns:a16="http://schemas.microsoft.com/office/drawing/2014/main" id="{B9E669E3-AF0B-82B0-00F8-E750BF04A67A}"/>
+              </a:ext>
+            </a:extLst>
+          </p:cNvPr>
+          <p:cNvSpPr/>
           <p:nvPr/>
         </p:nvSpPr>
         <p:spPr>
-          <a:xfrm rot="16200000">
-            <a:off x="-483648" y="5853486"/>
-            <a:ext cx="1630278" cy="307777"/>
-          </a:xfrm>
-          <a:prstGeom prst="rect">
+          <a:xfrm>
+            <a:off x="4905772" y="5678904"/>
+            <a:ext cx="173845" cy="198403"/>
+          </a:xfrm>
+          <a:prstGeom prst="downArrow">
             <a:avLst/>
           </a:prstGeom>
+          <a:ln/>
         </p:spPr>
         <p:style>
           <a:lnRef idx="1">
@@ -3725,36 +3764,87 @@
           </a:fontRef>
         </p:style>
         <p:txBody>
-          <a:bodyPr wrap="square" rtlCol="0">
-            <a:spAutoFit/>
-          </a:bodyPr>
-          <a:lstStyle/>
-          <a:p>
-            <a:pPr algn="ctr"/>
-            <a:r>
-              <a:rPr lang="en-US" sz="1400" dirty="0">
-                <a:latin typeface="Courier New"/>
-                <a:cs typeface="Courier New"/>
-              </a:rPr>
-              <a:t>Included</a:t>
-            </a:r>
-          </a:p>
-        </p:txBody>
-      </p:sp>
-      <p:sp>
-        <p:nvSpPr>
-          <p:cNvPr id="26" name="TextBox 25"/>
-          <p:cNvSpPr txBox="1"/>
+          <a:bodyPr/>
+          <a:lstStyle/>
+          <a:p>
+            <a:endParaRPr lang="en-US"/>
+          </a:p>
+        </p:txBody>
+      </p:sp>
+      <p:sp>
+        <p:nvSpPr>
+          <p:cNvPr id="4" name="Rectangle 3">
+            <a:extLst>
+              <a:ext uri="{FF2B5EF4-FFF2-40B4-BE49-F238E27FC236}">
+                <a16:creationId xmlns:a16="http://schemas.microsoft.com/office/drawing/2014/main" id="{17004F7C-3A73-95D4-FD93-8C80FFEC4F38}"/>
+              </a:ext>
+            </a:extLst>
+          </p:cNvPr>
+          <p:cNvSpPr/>
           <p:nvPr/>
         </p:nvSpPr>
         <p:spPr>
-          <a:xfrm rot="16200000">
-            <a:off x="-569259" y="4080724"/>
-            <a:ext cx="1801502" cy="307777"/>
+          <a:xfrm>
+            <a:off x="538267" y="52752"/>
+            <a:ext cx="4367905" cy="307777"/>
           </a:xfrm>
           <a:prstGeom prst="rect">
             <a:avLst/>
           </a:prstGeom>
+          <a:ln w="12700">
+            <a:solidFill>
+              <a:schemeClr val="tx1"/>
+            </a:solidFill>
+          </a:ln>
+        </p:spPr>
+        <p:txBody>
+          <a:bodyPr wrap="square">
+            <a:spAutoFit/>
+          </a:bodyPr>
+          <a:lstStyle/>
+          <a:p>
+            <a:pPr algn="ctr"/>
+            <a:r>
+              <a:rPr lang="en-US" sz="1400" dirty="0">
+                <a:solidFill>
+                  <a:schemeClr val="tx1"/>
+                </a:solidFill>
+              </a:rPr>
+              <a:t>Records identified through Scopus: </a:t>
+            </a:r>
+            <a:r>
+              <a:rPr lang="en-US" sz="1400" dirty="0"/>
+              <a:t>N = 2,200</a:t>
+            </a:r>
+            <a:endParaRPr lang="en-US" sz="1400" dirty="0">
+              <a:solidFill>
+                <a:schemeClr val="tx1"/>
+              </a:solidFill>
+            </a:endParaRPr>
+          </a:p>
+        </p:txBody>
+      </p:sp>
+      <p:sp>
+        <p:nvSpPr>
+          <p:cNvPr id="5" name="Down Arrow 20">
+            <a:extLst>
+              <a:ext uri="{FF2B5EF4-FFF2-40B4-BE49-F238E27FC236}">
+                <a16:creationId xmlns:a16="http://schemas.microsoft.com/office/drawing/2014/main" id="{69AC7206-DF19-BCF5-6961-EE07D1A9783A}"/>
+              </a:ext>
+            </a:extLst>
+          </p:cNvPr>
+          <p:cNvSpPr/>
+          <p:nvPr/>
+        </p:nvSpPr>
+        <p:spPr>
+          <a:xfrm>
+            <a:off x="4905771" y="4567559"/>
+            <a:ext cx="173845" cy="198403"/>
+          </a:xfrm>
+          <a:prstGeom prst="downArrow">
+            <a:avLst/>
+          </a:prstGeom>
+          <a:ln/>
         </p:spPr>
         <p:style>
           <a:lnRef idx="1">
@@ -3771,36 +3861,34 @@
           </a:fontRef>
         </p:style>
         <p:txBody>
-          <a:bodyPr wrap="square" rtlCol="0">
-            <a:spAutoFit/>
-          </a:bodyPr>
-          <a:lstStyle/>
-          <a:p>
-            <a:pPr algn="ctr"/>
-            <a:r>
-              <a:rPr lang="en-US" sz="1400" dirty="0">
-                <a:latin typeface="Courier New"/>
-                <a:cs typeface="Courier New"/>
-              </a:rPr>
-              <a:t>Eligibility</a:t>
-            </a:r>
-          </a:p>
-        </p:txBody>
-      </p:sp>
-      <p:sp>
-        <p:nvSpPr>
-          <p:cNvPr id="27" name="TextBox 26"/>
-          <p:cNvSpPr txBox="1"/>
+          <a:bodyPr/>
+          <a:lstStyle/>
+          <a:p>
+            <a:endParaRPr lang="en-US"/>
+          </a:p>
+        </p:txBody>
+      </p:sp>
+      <p:sp>
+        <p:nvSpPr>
+          <p:cNvPr id="14" name="Down Arrow 20">
+            <a:extLst>
+              <a:ext uri="{FF2B5EF4-FFF2-40B4-BE49-F238E27FC236}">
+                <a16:creationId xmlns:a16="http://schemas.microsoft.com/office/drawing/2014/main" id="{C78A30B1-89EF-EC48-278D-EC891971A344}"/>
+              </a:ext>
+            </a:extLst>
+          </p:cNvPr>
+          <p:cNvSpPr/>
           <p:nvPr/>
         </p:nvSpPr>
         <p:spPr>
-          <a:xfrm rot="16200000">
-            <a:off x="-387576" y="2404875"/>
-            <a:ext cx="1438138" cy="307777"/>
-          </a:xfrm>
-          <a:prstGeom prst="rect">
+          <a:xfrm>
+            <a:off x="4912809" y="3474182"/>
+            <a:ext cx="173845" cy="198403"/>
+          </a:xfrm>
+          <a:prstGeom prst="downArrow">
             <a:avLst/>
           </a:prstGeom>
+          <a:ln/>
         </p:spPr>
         <p:style>
           <a:lnRef idx="1">
@@ -3817,36 +3905,34 @@
           </a:fontRef>
         </p:style>
         <p:txBody>
-          <a:bodyPr wrap="square" rtlCol="0">
-            <a:spAutoFit/>
-          </a:bodyPr>
-          <a:lstStyle/>
-          <a:p>
-            <a:pPr algn="ctr"/>
-            <a:r>
-              <a:rPr lang="en-US" sz="1400" dirty="0">
-                <a:latin typeface="Courier New"/>
-                <a:cs typeface="Courier New"/>
-              </a:rPr>
-              <a:t>Screening</a:t>
-            </a:r>
-          </a:p>
-        </p:txBody>
-      </p:sp>
-      <p:sp>
-        <p:nvSpPr>
-          <p:cNvPr id="28" name="TextBox 27"/>
-          <p:cNvSpPr txBox="1"/>
+          <a:bodyPr/>
+          <a:lstStyle/>
+          <a:p>
+            <a:endParaRPr lang="en-US"/>
+          </a:p>
+        </p:txBody>
+      </p:sp>
+      <p:sp>
+        <p:nvSpPr>
+          <p:cNvPr id="15" name="Down Arrow 20">
+            <a:extLst>
+              <a:ext uri="{FF2B5EF4-FFF2-40B4-BE49-F238E27FC236}">
+                <a16:creationId xmlns:a16="http://schemas.microsoft.com/office/drawing/2014/main" id="{8A2ADF04-98D2-ED50-CD4F-CDCE797E9CE5}"/>
+              </a:ext>
+            </a:extLst>
+          </p:cNvPr>
+          <p:cNvSpPr/>
           <p:nvPr/>
         </p:nvSpPr>
         <p:spPr>
-          <a:xfrm rot="16200000">
-            <a:off x="-531729" y="757212"/>
-            <a:ext cx="1726448" cy="307777"/>
-          </a:xfrm>
-          <a:prstGeom prst="rect">
+          <a:xfrm>
+            <a:off x="3486238" y="2636203"/>
+            <a:ext cx="173845" cy="198403"/>
+          </a:xfrm>
+          <a:prstGeom prst="downArrow">
             <a:avLst/>
           </a:prstGeom>
+          <a:ln/>
         </p:spPr>
         <p:style>
           <a:lnRef idx="1">
@@ -3863,28 +3949,19 @@
           </a:fontRef>
         </p:style>
         <p:txBody>
-          <a:bodyPr wrap="square" rtlCol="0">
-            <a:spAutoFit/>
-          </a:bodyPr>
-          <a:lstStyle/>
-          <a:p>
-            <a:pPr algn="ctr"/>
-            <a:r>
-              <a:rPr lang="en-US" sz="1400" dirty="0">
-                <a:latin typeface="Courier New"/>
-                <a:cs typeface="Courier New"/>
-              </a:rPr>
-              <a:t>Identification</a:t>
-            </a:r>
-          </a:p>
-        </p:txBody>
-      </p:sp>
-      <p:sp>
-        <p:nvSpPr>
-          <p:cNvPr id="3" name="Down Arrow 20">
+          <a:bodyPr/>
+          <a:lstStyle/>
+          <a:p>
+            <a:endParaRPr lang="en-US"/>
+          </a:p>
+        </p:txBody>
+      </p:sp>
+      <p:sp>
+        <p:nvSpPr>
+          <p:cNvPr id="16" name="Down Arrow 20">
             <a:extLst>
               <a:ext uri="{FF2B5EF4-FFF2-40B4-BE49-F238E27FC236}">
-                <a16:creationId xmlns:a16="http://schemas.microsoft.com/office/drawing/2014/main" id="{B9E669E3-AF0B-82B0-00F8-E750BF04A67A}"/>
+                <a16:creationId xmlns:a16="http://schemas.microsoft.com/office/drawing/2014/main" id="{E0E846B3-C20F-475F-4A35-4F8D55327585}"/>
               </a:ext>
             </a:extLst>
           </p:cNvPr>
@@ -3893,8 +3970,8 @@
         </p:nvSpPr>
         <p:spPr>
           <a:xfrm>
-            <a:off x="4316222" y="4407505"/>
-            <a:ext cx="173845" cy="1048689"/>
+            <a:off x="6259315" y="2640038"/>
+            <a:ext cx="173845" cy="198403"/>
           </a:xfrm>
           <a:prstGeom prst="downArrow">
             <a:avLst/>
@@ -3920,6 +3997,437 @@
           <a:lstStyle/>
           <a:p>
             <a:endParaRPr lang="en-US"/>
+          </a:p>
+        </p:txBody>
+      </p:sp>
+      <p:sp>
+        <p:nvSpPr>
+          <p:cNvPr id="17" name="Rectangle 16">
+            <a:extLst>
+              <a:ext uri="{FF2B5EF4-FFF2-40B4-BE49-F238E27FC236}">
+                <a16:creationId xmlns:a16="http://schemas.microsoft.com/office/drawing/2014/main" id="{506FA2AC-DAF9-EA18-36B7-2B43BE9DC527}"/>
+              </a:ext>
+            </a:extLst>
+          </p:cNvPr>
+          <p:cNvSpPr/>
+          <p:nvPr/>
+        </p:nvSpPr>
+        <p:spPr>
+          <a:xfrm>
+            <a:off x="538267" y="406386"/>
+            <a:ext cx="4370612" cy="307777"/>
+          </a:xfrm>
+          <a:prstGeom prst="rect">
+            <a:avLst/>
+          </a:prstGeom>
+          <a:ln w="12700">
+            <a:solidFill>
+              <a:schemeClr val="tx1"/>
+            </a:solidFill>
+          </a:ln>
+        </p:spPr>
+        <p:txBody>
+          <a:bodyPr wrap="square">
+            <a:spAutoFit/>
+          </a:bodyPr>
+          <a:lstStyle/>
+          <a:p>
+            <a:pPr algn="ctr"/>
+            <a:r>
+              <a:rPr lang="en-US" sz="1400" dirty="0">
+                <a:solidFill>
+                  <a:schemeClr val="tx1"/>
+                </a:solidFill>
+              </a:rPr>
+              <a:t>Records identified through </a:t>
+            </a:r>
+            <a:r>
+              <a:rPr lang="en-US" sz="1400" dirty="0" err="1">
+                <a:solidFill>
+                  <a:schemeClr val="tx1"/>
+                </a:solidFill>
+              </a:rPr>
+              <a:t>WoS</a:t>
+            </a:r>
+            <a:r>
+              <a:rPr lang="en-US" sz="1400" dirty="0">
+                <a:solidFill>
+                  <a:schemeClr val="tx1"/>
+                </a:solidFill>
+              </a:rPr>
+              <a:t>: </a:t>
+            </a:r>
+            <a:r>
+              <a:rPr lang="en-US" sz="1400" dirty="0"/>
+              <a:t>N = 1,966</a:t>
+            </a:r>
+            <a:endParaRPr lang="en-US" sz="1400" dirty="0">
+              <a:solidFill>
+                <a:schemeClr val="tx1"/>
+              </a:solidFill>
+            </a:endParaRPr>
+          </a:p>
+        </p:txBody>
+      </p:sp>
+      <p:sp>
+        <p:nvSpPr>
+          <p:cNvPr id="22" name="Rectangle 21">
+            <a:extLst>
+              <a:ext uri="{FF2B5EF4-FFF2-40B4-BE49-F238E27FC236}">
+                <a16:creationId xmlns:a16="http://schemas.microsoft.com/office/drawing/2014/main" id="{1A0A6EA8-9DD8-6804-1E48-AE9A5417BF82}"/>
+              </a:ext>
+            </a:extLst>
+          </p:cNvPr>
+          <p:cNvSpPr/>
+          <p:nvPr/>
+        </p:nvSpPr>
+        <p:spPr>
+          <a:xfrm>
+            <a:off x="535560" y="785471"/>
+            <a:ext cx="4370612" cy="307777"/>
+          </a:xfrm>
+          <a:prstGeom prst="rect">
+            <a:avLst/>
+          </a:prstGeom>
+          <a:ln w="12700">
+            <a:solidFill>
+              <a:schemeClr val="tx1"/>
+            </a:solidFill>
+          </a:ln>
+        </p:spPr>
+        <p:txBody>
+          <a:bodyPr wrap="square">
+            <a:spAutoFit/>
+          </a:bodyPr>
+          <a:lstStyle/>
+          <a:p>
+            <a:pPr algn="ctr"/>
+            <a:r>
+              <a:rPr lang="en-US" sz="1400" dirty="0">
+                <a:solidFill>
+                  <a:schemeClr val="tx1"/>
+                </a:solidFill>
+              </a:rPr>
+              <a:t>Records identified through SD: </a:t>
+            </a:r>
+            <a:r>
+              <a:rPr lang="en-US" sz="1400" dirty="0"/>
+              <a:t>N =751</a:t>
+            </a:r>
+            <a:endParaRPr lang="en-US" sz="1400" dirty="0">
+              <a:solidFill>
+                <a:schemeClr val="tx1"/>
+              </a:solidFill>
+            </a:endParaRPr>
+          </a:p>
+        </p:txBody>
+      </p:sp>
+      <p:sp>
+        <p:nvSpPr>
+          <p:cNvPr id="23" name="Rectangle 22">
+            <a:extLst>
+              <a:ext uri="{FF2B5EF4-FFF2-40B4-BE49-F238E27FC236}">
+                <a16:creationId xmlns:a16="http://schemas.microsoft.com/office/drawing/2014/main" id="{277C8101-3E04-D304-4A3A-87B4D307E072}"/>
+              </a:ext>
+            </a:extLst>
+          </p:cNvPr>
+          <p:cNvSpPr/>
+          <p:nvPr/>
+        </p:nvSpPr>
+        <p:spPr>
+          <a:xfrm>
+            <a:off x="4961762" y="45330"/>
+            <a:ext cx="4112433" cy="307777"/>
+          </a:xfrm>
+          <a:prstGeom prst="rect">
+            <a:avLst/>
+          </a:prstGeom>
+          <a:ln w="12700">
+            <a:solidFill>
+              <a:schemeClr val="tx1"/>
+            </a:solidFill>
+          </a:ln>
+        </p:spPr>
+        <p:txBody>
+          <a:bodyPr wrap="square">
+            <a:spAutoFit/>
+          </a:bodyPr>
+          <a:lstStyle/>
+          <a:p>
+            <a:pPr algn="ctr"/>
+            <a:r>
+              <a:rPr lang="en-US" sz="1400" dirty="0">
+                <a:solidFill>
+                  <a:schemeClr val="tx1"/>
+                </a:solidFill>
+              </a:rPr>
+              <a:t>Records identified through EH: </a:t>
+            </a:r>
+            <a:r>
+              <a:rPr lang="en-US" sz="1400" dirty="0"/>
+              <a:t>N = 24</a:t>
+            </a:r>
+            <a:endParaRPr lang="en-US" sz="1400" dirty="0">
+              <a:solidFill>
+                <a:schemeClr val="tx1"/>
+              </a:solidFill>
+            </a:endParaRPr>
+          </a:p>
+        </p:txBody>
+      </p:sp>
+      <p:sp>
+        <p:nvSpPr>
+          <p:cNvPr id="29" name="Rectangle 28">
+            <a:extLst>
+              <a:ext uri="{FF2B5EF4-FFF2-40B4-BE49-F238E27FC236}">
+                <a16:creationId xmlns:a16="http://schemas.microsoft.com/office/drawing/2014/main" id="{1323CF3B-6E0A-0C43-D0BB-9ABA9F79E0CC}"/>
+              </a:ext>
+            </a:extLst>
+          </p:cNvPr>
+          <p:cNvSpPr/>
+          <p:nvPr/>
+        </p:nvSpPr>
+        <p:spPr>
+          <a:xfrm>
+            <a:off x="4961761" y="413879"/>
+            <a:ext cx="4112433" cy="307777"/>
+          </a:xfrm>
+          <a:prstGeom prst="rect">
+            <a:avLst/>
+          </a:prstGeom>
+          <a:ln w="12700">
+            <a:solidFill>
+              <a:schemeClr val="tx1"/>
+            </a:solidFill>
+          </a:ln>
+        </p:spPr>
+        <p:txBody>
+          <a:bodyPr wrap="square">
+            <a:spAutoFit/>
+          </a:bodyPr>
+          <a:lstStyle/>
+          <a:p>
+            <a:pPr algn="ctr"/>
+            <a:r>
+              <a:rPr lang="en-US" sz="1400" dirty="0">
+                <a:solidFill>
+                  <a:schemeClr val="tx1"/>
+                </a:solidFill>
+              </a:rPr>
+              <a:t>Records identified through </a:t>
+            </a:r>
+            <a:r>
+              <a:rPr lang="en-US" sz="1400" dirty="0" err="1">
+                <a:solidFill>
+                  <a:schemeClr val="tx1"/>
+                </a:solidFill>
+              </a:rPr>
+              <a:t>Biorxiv</a:t>
+            </a:r>
+            <a:r>
+              <a:rPr lang="en-US" sz="1400" dirty="0">
+                <a:solidFill>
+                  <a:schemeClr val="tx1"/>
+                </a:solidFill>
+              </a:rPr>
+              <a:t>: </a:t>
+            </a:r>
+            <a:r>
+              <a:rPr lang="en-US" sz="1400" dirty="0"/>
+              <a:t>N = 24</a:t>
+            </a:r>
+            <a:endParaRPr lang="en-US" sz="1400" dirty="0">
+              <a:solidFill>
+                <a:schemeClr val="tx1"/>
+              </a:solidFill>
+            </a:endParaRPr>
+          </a:p>
+        </p:txBody>
+      </p:sp>
+      <p:sp>
+        <p:nvSpPr>
+          <p:cNvPr id="30" name="Rectangle 29">
+            <a:extLst>
+              <a:ext uri="{FF2B5EF4-FFF2-40B4-BE49-F238E27FC236}">
+                <a16:creationId xmlns:a16="http://schemas.microsoft.com/office/drawing/2014/main" id="{2856FBD9-36AE-CEEF-EA49-DFC2A0F43AB4}"/>
+              </a:ext>
+            </a:extLst>
+          </p:cNvPr>
+          <p:cNvSpPr/>
+          <p:nvPr/>
+        </p:nvSpPr>
+        <p:spPr>
+          <a:xfrm>
+            <a:off x="4956348" y="782773"/>
+            <a:ext cx="4112433" cy="307777"/>
+          </a:xfrm>
+          <a:prstGeom prst="rect">
+            <a:avLst/>
+          </a:prstGeom>
+          <a:ln w="12700">
+            <a:solidFill>
+              <a:schemeClr val="tx1"/>
+            </a:solidFill>
+          </a:ln>
+        </p:spPr>
+        <p:txBody>
+          <a:bodyPr wrap="square">
+            <a:spAutoFit/>
+          </a:bodyPr>
+          <a:lstStyle/>
+          <a:p>
+            <a:pPr algn="ctr"/>
+            <a:r>
+              <a:rPr lang="en-US" sz="1400" dirty="0">
+                <a:solidFill>
+                  <a:schemeClr val="tx1"/>
+                </a:solidFill>
+              </a:rPr>
+              <a:t>Records identified through BASE: </a:t>
+            </a:r>
+            <a:r>
+              <a:rPr lang="en-US" sz="1400" dirty="0"/>
+              <a:t>N = 109</a:t>
+            </a:r>
+            <a:endParaRPr lang="en-US" sz="1400" dirty="0">
+              <a:solidFill>
+                <a:schemeClr val="tx1"/>
+              </a:solidFill>
+            </a:endParaRPr>
+          </a:p>
+        </p:txBody>
+      </p:sp>
+      <p:sp>
+        <p:nvSpPr>
+          <p:cNvPr id="31" name="Rectangle 30">
+            <a:extLst>
+              <a:ext uri="{FF2B5EF4-FFF2-40B4-BE49-F238E27FC236}">
+                <a16:creationId xmlns:a16="http://schemas.microsoft.com/office/drawing/2014/main" id="{5E855168-8080-0368-6014-5912D1F1063C}"/>
+              </a:ext>
+            </a:extLst>
+          </p:cNvPr>
+          <p:cNvSpPr/>
+          <p:nvPr/>
+        </p:nvSpPr>
+        <p:spPr>
+          <a:xfrm>
+            <a:off x="2814425" y="1156443"/>
+            <a:ext cx="4370612" cy="307777"/>
+          </a:xfrm>
+          <a:prstGeom prst="rect">
+            <a:avLst/>
+          </a:prstGeom>
+          <a:ln w="12700">
+            <a:solidFill>
+              <a:schemeClr val="tx1"/>
+            </a:solidFill>
+          </a:ln>
+        </p:spPr>
+        <p:txBody>
+          <a:bodyPr wrap="square">
+            <a:spAutoFit/>
+          </a:bodyPr>
+          <a:lstStyle/>
+          <a:p>
+            <a:pPr algn="ctr"/>
+            <a:r>
+              <a:rPr lang="en-US" sz="1400" dirty="0">
+                <a:solidFill>
+                  <a:schemeClr val="tx1"/>
+                </a:solidFill>
+              </a:rPr>
+              <a:t>Records identified through Agricola: </a:t>
+            </a:r>
+            <a:r>
+              <a:rPr lang="en-US" sz="1400" dirty="0"/>
+              <a:t>N =240</a:t>
+            </a:r>
+            <a:endParaRPr lang="en-US" sz="1400" dirty="0">
+              <a:solidFill>
+                <a:schemeClr val="tx1"/>
+              </a:solidFill>
+            </a:endParaRPr>
+          </a:p>
+        </p:txBody>
+      </p:sp>
+      <p:sp>
+        <p:nvSpPr>
+          <p:cNvPr id="32" name="Down Arrow 20">
+            <a:extLst>
+              <a:ext uri="{FF2B5EF4-FFF2-40B4-BE49-F238E27FC236}">
+                <a16:creationId xmlns:a16="http://schemas.microsoft.com/office/drawing/2014/main" id="{8CDE122C-9492-80BF-C817-00E73FFB8C95}"/>
+              </a:ext>
+            </a:extLst>
+          </p:cNvPr>
+          <p:cNvSpPr/>
+          <p:nvPr/>
+        </p:nvSpPr>
+        <p:spPr>
+          <a:xfrm>
+            <a:off x="3486238" y="1501553"/>
+            <a:ext cx="173845" cy="198403"/>
+          </a:xfrm>
+          <a:prstGeom prst="downArrow">
+            <a:avLst/>
+          </a:prstGeom>
+          <a:ln/>
+        </p:spPr>
+        <p:style>
+          <a:lnRef idx="1">
+            <a:schemeClr val="dk1"/>
+          </a:lnRef>
+          <a:fillRef idx="2">
+            <a:schemeClr val="dk1"/>
+          </a:fillRef>
+          <a:effectRef idx="1">
+            <a:schemeClr val="dk1"/>
+          </a:effectRef>
+          <a:fontRef idx="minor">
+            <a:schemeClr val="dk1"/>
+          </a:fontRef>
+        </p:style>
+        <p:txBody>
+          <a:bodyPr/>
+          <a:lstStyle/>
+          <a:p>
+            <a:endParaRPr lang="en-US"/>
+          </a:p>
+        </p:txBody>
+      </p:sp>
+      <p:sp>
+        <p:nvSpPr>
+          <p:cNvPr id="33" name="Rectangle 32">
+            <a:extLst>
+              <a:ext uri="{FF2B5EF4-FFF2-40B4-BE49-F238E27FC236}">
+                <a16:creationId xmlns:a16="http://schemas.microsoft.com/office/drawing/2014/main" id="{6F6A1B16-B343-77D8-0CF8-61C07C34A43F}"/>
+              </a:ext>
+            </a:extLst>
+          </p:cNvPr>
+          <p:cNvSpPr/>
+          <p:nvPr/>
+        </p:nvSpPr>
+        <p:spPr>
+          <a:xfrm>
+            <a:off x="515553" y="37869"/>
+            <a:ext cx="8614231" cy="1438138"/>
+          </a:xfrm>
+          <a:prstGeom prst="rect">
+            <a:avLst/>
+          </a:prstGeom>
+          <a:ln w="28575">
+            <a:solidFill>
+              <a:schemeClr val="tx1"/>
+            </a:solidFill>
+          </a:ln>
+        </p:spPr>
+        <p:txBody>
+          <a:bodyPr wrap="square">
+            <a:spAutoFit/>
+          </a:bodyPr>
+          <a:lstStyle/>
+          <a:p>
+            <a:pPr algn="ctr"/>
+            <a:endParaRPr lang="en-US" dirty="0"/>
           </a:p>
         </p:txBody>
       </p:sp>
